--- a/2016-05-05_Automation_with_Gulp.pptx
+++ b/2016-05-05_Automation_with_Gulp.pptx
@@ -12,9 +12,9 @@
     <p:sldId id="259" r:id="rId3"/>
     <p:sldId id="257" r:id="rId4"/>
     <p:sldId id="258" r:id="rId5"/>
-    <p:sldId id="260" r:id="rId6"/>
-    <p:sldId id="261" r:id="rId7"/>
-    <p:sldId id="262" r:id="rId8"/>
+    <p:sldId id="262" r:id="rId6"/>
+    <p:sldId id="260" r:id="rId7"/>
+    <p:sldId id="261" r:id="rId8"/>
     <p:sldId id="263" r:id="rId9"/>
     <p:sldId id="267" r:id="rId10"/>
     <p:sldId id="268" r:id="rId11"/>
@@ -214,7 +214,7 @@
           <a:p>
             <a:fld id="{06E6117F-140F-4450-B121-6DFB5F92BA5E}" type="datetimeFigureOut">
               <a:rPr lang="pl-PL" smtClean="0"/>
-              <a:t>04.05.2016</a:t>
+              <a:t>05.05.2016</a:t>
             </a:fld>
             <a:endParaRPr lang="pl-PL"/>
           </a:p>
@@ -1256,7 +1256,7 @@
             <a:fld id="{D200B3F0-A9BC-48CE-8EB6-ECE965069900}" type="datetimeFigureOut">
               <a:rPr lang="en-US" dirty="0"/>
               <a:pPr/>
-              <a:t>5/4/2016</a:t>
+              <a:t>5/5/2016</a:t>
             </a:fld>
             <a:endParaRPr lang="en-US" dirty="0"/>
           </a:p>
@@ -2417,7 +2417,7 @@
           <a:p>
             <a:fld id="{3DF9FFFF-3106-4DDB-AA62-0C80862170D6}" type="datetimeFigureOut">
               <a:rPr lang="en-US" dirty="0"/>
-              <a:t>5/4/2016</a:t>
+              <a:t>5/5/2016</a:t>
             </a:fld>
             <a:endParaRPr lang="en-US" dirty="0"/>
           </a:p>
@@ -3471,7 +3471,7 @@
           <a:p>
             <a:fld id="{A3DA38B7-AE95-4DC8-9A51-7A71F545B098}" type="datetimeFigureOut">
               <a:rPr lang="en-US" dirty="0"/>
-              <a:t>5/4/2016</a:t>
+              <a:t>5/5/2016</a:t>
             </a:fld>
             <a:endParaRPr lang="en-US" dirty="0"/>
           </a:p>
@@ -4684,7 +4684,7 @@
           <a:p>
             <a:fld id="{86F1EC2B-8188-4AC2-9F0D-8D09C51D505A}" type="datetimeFigureOut">
               <a:rPr lang="en-US" dirty="0"/>
-              <a:t>5/4/2016</a:t>
+              <a:t>5/5/2016</a:t>
             </a:fld>
             <a:endParaRPr lang="en-US" dirty="0"/>
           </a:p>
@@ -5788,7 +5788,7 @@
           <a:p>
             <a:fld id="{9212B75E-944F-430B-BE5F-C69FA8823C04}" type="datetimeFigureOut">
               <a:rPr lang="en-US" dirty="0"/>
-              <a:t>5/4/2016</a:t>
+              <a:t>5/5/2016</a:t>
             </a:fld>
             <a:endParaRPr lang="en-US" dirty="0"/>
           </a:p>
@@ -6440,7 +6440,7 @@
           <a:p>
             <a:fld id="{79AE0DC7-7F53-471C-A711-B3DA6F2535F3}" type="datetimeFigureOut">
               <a:rPr lang="en-US" dirty="0"/>
-              <a:t>5/4/2016</a:t>
+              <a:t>5/5/2016</a:t>
             </a:fld>
             <a:endParaRPr lang="en-US" dirty="0"/>
           </a:p>
@@ -7287,7 +7287,7 @@
           <a:p>
             <a:fld id="{3C1F4C9D-4618-451D-80C1-6A376BB42AB4}" type="datetimeFigureOut">
               <a:rPr lang="en-US" dirty="0"/>
-              <a:t>5/4/2016</a:t>
+              <a:t>5/5/2016</a:t>
             </a:fld>
             <a:endParaRPr lang="en-US" dirty="0"/>
           </a:p>
@@ -7472,7 +7472,7 @@
           <a:p>
             <a:fld id="{F54D2318-CE40-42F6-962A-4C6D6CF697DB}" type="datetimeFigureOut">
               <a:rPr lang="en-US" dirty="0"/>
-              <a:t>5/4/2016</a:t>
+              <a:t>5/5/2016</a:t>
             </a:fld>
             <a:endParaRPr lang="en-US" dirty="0"/>
           </a:p>
@@ -8513,7 +8513,7 @@
           <a:p>
             <a:fld id="{0C476AC1-EB7F-4BEF-90D9-5764B50DAF8A}" type="datetimeFigureOut">
               <a:rPr lang="en-US" dirty="0"/>
-              <a:t>5/4/2016</a:t>
+              <a:t>5/5/2016</a:t>
             </a:fld>
             <a:endParaRPr lang="en-US" dirty="0"/>
           </a:p>
@@ -8729,7 +8729,7 @@
           <a:p>
             <a:fld id="{1B20712A-F861-4AB0-A754-4F5A2033CD4B}" type="datetimeFigureOut">
               <a:rPr lang="en-US" dirty="0"/>
-              <a:t>5/4/2016</a:t>
+              <a:t>5/5/2016</a:t>
             </a:fld>
             <a:endParaRPr lang="en-US" dirty="0"/>
           </a:p>
@@ -9834,7 +9834,7 @@
           <a:p>
             <a:fld id="{324507B7-F2DC-4B2C-B14D-58A9766807A2}" type="datetimeFigureOut">
               <a:rPr lang="en-US" dirty="0"/>
-              <a:t>5/4/2016</a:t>
+              <a:t>5/5/2016</a:t>
             </a:fld>
             <a:endParaRPr lang="en-US" dirty="0"/>
           </a:p>
@@ -10106,7 +10106,7 @@
           <a:p>
             <a:fld id="{904A483D-5CB4-4842-8F2F-05D5276ACF63}" type="datetimeFigureOut">
               <a:rPr lang="en-US" dirty="0"/>
-              <a:t>5/4/2016</a:t>
+              <a:t>5/5/2016</a:t>
             </a:fld>
             <a:endParaRPr lang="en-US" dirty="0"/>
           </a:p>
@@ -10488,7 +10488,7 @@
           <a:p>
             <a:fld id="{1D1CE32E-9DC0-47C8-A657-48F5C3E4A10B}" type="datetimeFigureOut">
               <a:rPr lang="en-US" dirty="0"/>
-              <a:t>5/4/2016</a:t>
+              <a:t>5/5/2016</a:t>
             </a:fld>
             <a:endParaRPr lang="en-US" dirty="0"/>
           </a:p>
@@ -10606,7 +10606,7 @@
           <a:p>
             <a:fld id="{2BDF5C0D-8C3A-4771-A43D-83937FC700D4}" type="datetimeFigureOut">
               <a:rPr lang="en-US" dirty="0"/>
-              <a:t>5/4/2016</a:t>
+              <a:t>5/5/2016</a:t>
             </a:fld>
             <a:endParaRPr lang="en-US" dirty="0"/>
           </a:p>
@@ -10701,7 +10701,7 @@
           <a:p>
             <a:fld id="{0203D2D6-FCC2-425A-A4A7-8058E8C01CB1}" type="datetimeFigureOut">
               <a:rPr lang="en-US" dirty="0"/>
-              <a:t>5/4/2016</a:t>
+              <a:t>5/5/2016</a:t>
             </a:fld>
             <a:endParaRPr lang="en-US" dirty="0"/>
           </a:p>
@@ -11853,7 +11853,7 @@
           <a:p>
             <a:fld id="{D8CF2683-E6E7-4CC3-9EEE-7854DD4F3545}" type="datetimeFigureOut">
               <a:rPr lang="en-US" dirty="0"/>
-              <a:t>5/4/2016</a:t>
+              <a:t>5/5/2016</a:t>
             </a:fld>
             <a:endParaRPr lang="en-US" dirty="0"/>
           </a:p>
@@ -13029,7 +13029,7 @@
           <a:p>
             <a:fld id="{7E120F81-B39D-4CBB-8BF3-5D6E395D0F72}" type="datetimeFigureOut">
               <a:rPr lang="en-US" dirty="0"/>
-              <a:t>5/4/2016</a:t>
+              <a:t>5/5/2016</a:t>
             </a:fld>
             <a:endParaRPr lang="en-US" dirty="0"/>
           </a:p>
@@ -14139,7 +14139,7 @@
           <a:p>
             <a:fld id="{564B320A-89BA-47B2-A525-92E8D10B06E4}" type="datetimeFigureOut">
               <a:rPr lang="en-US" dirty="0"/>
-              <a:t>5/4/2016</a:t>
+              <a:t>5/5/2016</a:t>
             </a:fld>
             <a:endParaRPr lang="en-US" dirty="0"/>
           </a:p>
@@ -16728,11 +16728,7 @@
           <a:p>
             <a:r>
               <a:rPr lang="pl-PL" dirty="0" smtClean="0"/>
-              <a:t>John </a:t>
-            </a:r>
-            <a:r>
-              <a:rPr lang="pl-PL" dirty="0" smtClean="0"/>
-              <a:t>Papa </a:t>
+              <a:t>John Papa </a:t>
             </a:r>
             <a:r>
               <a:rPr lang="pl-PL" dirty="0" err="1" smtClean="0"/>
@@ -16925,12 +16921,8 @@
           </a:p>
           <a:p>
             <a:r>
-              <a:rPr lang="pl-PL" sz="2400" smtClean="0"/>
-              <a:t>Grunt </a:t>
-            </a:r>
-            <a:r>
               <a:rPr lang="pl-PL" sz="2400" dirty="0" smtClean="0"/>
-              <a:t>vs </a:t>
+              <a:t>Grunt vs </a:t>
             </a:r>
             <a:r>
               <a:rPr lang="pl-PL" sz="2400" dirty="0" err="1" smtClean="0"/>
@@ -16976,13 +16968,6 @@
               <a:t>Summary</a:t>
             </a:r>
             <a:endParaRPr lang="pl-PL" sz="2400" dirty="0" smtClean="0"/>
-          </a:p>
-          <a:p>
-            <a:r>
-              <a:rPr lang="pl-PL" sz="2400" dirty="0" err="1" smtClean="0"/>
-              <a:t>Resources</a:t>
-            </a:r>
-            <a:endParaRPr lang="pl-PL" sz="2400" dirty="0"/>
           </a:p>
         </p:txBody>
       </p:sp>
@@ -17039,8 +17024,12 @@
           <a:lstStyle/>
           <a:p>
             <a:r>
+              <a:rPr lang="pl-PL" dirty="0" err="1" smtClean="0"/>
+              <a:t>Short</a:t>
+            </a:r>
+            <a:r>
               <a:rPr lang="pl-PL" dirty="0" smtClean="0"/>
-              <a:t>Small </a:t>
+              <a:t> </a:t>
             </a:r>
             <a:r>
               <a:rPr lang="pl-PL" dirty="0" err="1" smtClean="0"/>
@@ -17051,12 +17040,12 @@
               <a:t> </a:t>
             </a:r>
             <a:r>
+              <a:rPr lang="pl-PL" dirty="0" smtClean="0"/>
+              <a:t>of </a:t>
+            </a:r>
+            <a:r>
               <a:rPr lang="pl-PL" dirty="0" err="1" smtClean="0"/>
-              <a:t>about</a:t>
-            </a:r>
-            <a:r>
-              <a:rPr lang="pl-PL" dirty="0" smtClean="0"/>
-              <a:t> me</a:t>
+              <a:t>myself</a:t>
             </a:r>
             <a:endParaRPr lang="pl-PL" dirty="0"/>
           </a:p>
@@ -17105,7 +17094,11 @@
             </a:r>
             <a:r>
               <a:rPr lang="pl-PL" sz="2800" dirty="0" smtClean="0"/>
-              <a:t> 2,5 </a:t>
+              <a:t> </a:t>
+            </a:r>
+            <a:r>
+              <a:rPr lang="pl-PL" sz="2800" dirty="0" smtClean="0"/>
+              <a:t>2.5 </a:t>
             </a:r>
             <a:r>
               <a:rPr lang="pl-PL" sz="2800" dirty="0" err="1" smtClean="0"/>
@@ -17240,7 +17233,7 @@
             </a:r>
             <a:r>
               <a:rPr lang="pl-PL" sz="2800" dirty="0" err="1" smtClean="0"/>
-              <a:t>simple</a:t>
+              <a:t>simply</a:t>
             </a:r>
             <a:r>
               <a:rPr lang="pl-PL" sz="2800" dirty="0" smtClean="0"/>
@@ -17268,6 +17261,10 @@
             <a:r>
               <a:rPr lang="pl-PL" sz="2800" dirty="0" smtClean="0"/>
               <a:t> and automation </a:t>
+            </a:r>
+            <a:r>
+              <a:rPr lang="pl-PL" sz="2800" dirty="0" smtClean="0"/>
+              <a:t>of </a:t>
             </a:r>
             <a:r>
               <a:rPr lang="pl-PL" sz="2800" dirty="0" err="1" smtClean="0"/>
@@ -17520,6 +17517,219 @@
             </a:r>
             <a:r>
               <a:rPr lang="pl-PL" dirty="0" err="1" smtClean="0"/>
+              <a:t>task</a:t>
+            </a:r>
+            <a:r>
+              <a:rPr lang="pl-PL" dirty="0" smtClean="0"/>
+              <a:t> </a:t>
+            </a:r>
+            <a:r>
+              <a:rPr lang="pl-PL" dirty="0" err="1" smtClean="0"/>
+              <a:t>runner</a:t>
+            </a:r>
+            <a:r>
+              <a:rPr lang="pl-PL" dirty="0" smtClean="0"/>
+              <a:t>?</a:t>
+            </a:r>
+            <a:endParaRPr lang="pl-PL" dirty="0"/>
+          </a:p>
+        </p:txBody>
+      </p:sp>
+      <p:sp>
+        <p:nvSpPr>
+          <p:cNvPr id="3" name="Content Placeholder 2"/>
+          <p:cNvSpPr>
+            <a:spLocks noGrp="1"/>
+          </p:cNvSpPr>
+          <p:nvPr>
+            <p:ph idx="1"/>
+          </p:nvPr>
+        </p:nvSpPr>
+        <p:spPr>
+          <a:xfrm>
+            <a:off x="1154954" y="2603500"/>
+            <a:ext cx="8761413" cy="4041140"/>
+          </a:xfrm>
+        </p:spPr>
+        <p:txBody>
+          <a:bodyPr>
+            <a:noAutofit/>
+          </a:bodyPr>
+          <a:lstStyle/>
+          <a:p>
+            <a:r>
+              <a:rPr lang="pl-PL" sz="2400" dirty="0" err="1" smtClean="0"/>
+              <a:t>Minify</a:t>
+            </a:r>
+            <a:endParaRPr lang="pl-PL" sz="2400" dirty="0" smtClean="0"/>
+          </a:p>
+          <a:p>
+            <a:r>
+              <a:rPr lang="pl-PL" sz="2400" dirty="0" err="1" smtClean="0"/>
+              <a:t>Concat</a:t>
+            </a:r>
+            <a:endParaRPr lang="pl-PL" sz="2400" dirty="0" smtClean="0"/>
+          </a:p>
+          <a:p>
+            <a:r>
+              <a:rPr lang="pl-PL" sz="2400" dirty="0" err="1" smtClean="0"/>
+              <a:t>Vendor</a:t>
+            </a:r>
+            <a:r>
+              <a:rPr lang="pl-PL" sz="2400" dirty="0" smtClean="0"/>
+              <a:t> </a:t>
+            </a:r>
+            <a:r>
+              <a:rPr lang="pl-PL" sz="2400" dirty="0" err="1" smtClean="0"/>
+              <a:t>prefixes</a:t>
+            </a:r>
+            <a:endParaRPr lang="pl-PL" sz="2400" dirty="0" smtClean="0"/>
+          </a:p>
+          <a:p>
+            <a:r>
+              <a:rPr lang="pl-PL" sz="2400" dirty="0" smtClean="0"/>
+              <a:t>Less to </a:t>
+            </a:r>
+            <a:r>
+              <a:rPr lang="pl-PL" sz="2400" dirty="0" err="1" smtClean="0"/>
+              <a:t>css</a:t>
+            </a:r>
+            <a:r>
+              <a:rPr lang="pl-PL" sz="2400" dirty="0" smtClean="0"/>
+              <a:t> </a:t>
+            </a:r>
+            <a:r>
+              <a:rPr lang="pl-PL" sz="2400" dirty="0" err="1" smtClean="0"/>
+              <a:t>compilation</a:t>
+            </a:r>
+            <a:endParaRPr lang="pl-PL" sz="2400" dirty="0" smtClean="0"/>
+          </a:p>
+          <a:p>
+            <a:r>
+              <a:rPr lang="pl-PL" sz="2400" dirty="0" err="1" smtClean="0"/>
+              <a:t>Injecting</a:t>
+            </a:r>
+            <a:r>
+              <a:rPr lang="pl-PL" sz="2400" dirty="0" smtClean="0"/>
+              <a:t> </a:t>
+            </a:r>
+            <a:r>
+              <a:rPr lang="pl-PL" sz="2400" dirty="0" err="1" smtClean="0"/>
+              <a:t>files</a:t>
+            </a:r>
+            <a:r>
+              <a:rPr lang="pl-PL" sz="2400" dirty="0" smtClean="0"/>
+              <a:t> </a:t>
+            </a:r>
+            <a:r>
+              <a:rPr lang="pl-PL" sz="2400" dirty="0" err="1" smtClean="0"/>
+              <a:t>into</a:t>
+            </a:r>
+            <a:r>
+              <a:rPr lang="pl-PL" sz="2400" dirty="0" smtClean="0"/>
+              <a:t> HTML</a:t>
+            </a:r>
+          </a:p>
+          <a:p>
+            <a:r>
+              <a:rPr lang="pl-PL" sz="2400" dirty="0" err="1" smtClean="0"/>
+              <a:t>Angular</a:t>
+            </a:r>
+            <a:r>
+              <a:rPr lang="pl-PL" sz="2400" dirty="0" smtClean="0"/>
+              <a:t> </a:t>
+            </a:r>
+            <a:r>
+              <a:rPr lang="pl-PL" sz="2400" dirty="0" err="1" smtClean="0"/>
+              <a:t>Template</a:t>
+            </a:r>
+            <a:r>
+              <a:rPr lang="pl-PL" sz="2400" dirty="0" smtClean="0"/>
+              <a:t> Cache</a:t>
+            </a:r>
+          </a:p>
+          <a:p>
+            <a:r>
+              <a:rPr lang="pl-PL" sz="2400" dirty="0" err="1" smtClean="0"/>
+              <a:t>Testing</a:t>
+            </a:r>
+            <a:endParaRPr lang="pl-PL" sz="2400" dirty="0" smtClean="0"/>
+          </a:p>
+          <a:p>
+            <a:r>
+              <a:rPr lang="pl-PL" sz="2400" dirty="0" err="1" smtClean="0"/>
+              <a:t>Code</a:t>
+            </a:r>
+            <a:r>
+              <a:rPr lang="pl-PL" sz="2400" dirty="0" smtClean="0"/>
+              <a:t> Analysis</a:t>
+            </a:r>
+            <a:endParaRPr lang="pl-PL" sz="2400" dirty="0"/>
+          </a:p>
+        </p:txBody>
+      </p:sp>
+    </p:spTree>
+    <p:extLst>
+      <p:ext uri="{BB962C8B-B14F-4D97-AF65-F5344CB8AC3E}">
+        <p14:creationId xmlns:p14="http://schemas.microsoft.com/office/powerpoint/2010/main" val="2062255515"/>
+      </p:ext>
+    </p:extLst>
+  </p:cSld>
+  <p:clrMapOvr>
+    <a:masterClrMapping/>
+  </p:clrMapOvr>
+  <p:timing>
+    <p:tnLst>
+      <p:par>
+        <p:cTn id="1" dur="indefinite" restart="never" nodeType="tmRoot"/>
+      </p:par>
+    </p:tnLst>
+  </p:timing>
+</p:sld>
+</file>
+
+<file path=ppt/slides/slide6.xml><?xml version="1.0" encoding="utf-8"?>
+<p:sld xmlns:a="http://schemas.openxmlformats.org/drawingml/2006/main" xmlns:r="http://schemas.openxmlformats.org/officeDocument/2006/relationships" xmlns:p="http://schemas.openxmlformats.org/presentationml/2006/main">
+  <p:cSld>
+    <p:spTree>
+      <p:nvGrpSpPr>
+        <p:cNvPr id="1" name=""/>
+        <p:cNvGrpSpPr/>
+        <p:nvPr/>
+      </p:nvGrpSpPr>
+      <p:grpSpPr>
+        <a:xfrm>
+          <a:off x="0" y="0"/>
+          <a:ext cx="0" cy="0"/>
+          <a:chOff x="0" y="0"/>
+          <a:chExt cx="0" cy="0"/>
+        </a:xfrm>
+      </p:grpSpPr>
+      <p:sp>
+        <p:nvSpPr>
+          <p:cNvPr id="2" name="Title 1"/>
+          <p:cNvSpPr>
+            <a:spLocks noGrp="1"/>
+          </p:cNvSpPr>
+          <p:nvPr>
+            <p:ph type="title"/>
+          </p:nvPr>
+        </p:nvSpPr>
+        <p:spPr/>
+        <p:txBody>
+          <a:bodyPr/>
+          <a:lstStyle/>
+          <a:p>
+            <a:r>
+              <a:rPr lang="pl-PL" dirty="0" err="1" smtClean="0"/>
+              <a:t>Why</a:t>
+            </a:r>
+            <a:r>
+              <a:rPr lang="pl-PL" dirty="0" smtClean="0"/>
+              <a:t> </a:t>
+            </a:r>
+            <a:r>
+              <a:rPr lang="pl-PL" dirty="0" err="1" smtClean="0"/>
               <a:t>Gulp</a:t>
             </a:r>
             <a:r>
@@ -17590,19 +17800,14 @@
             </a:r>
             <a:r>
               <a:rPr lang="pl-PL" sz="2000" dirty="0" err="1" smtClean="0"/>
-              <a:t>easy</a:t>
-            </a:r>
-            <a:r>
-              <a:rPr lang="pl-PL" sz="2000" dirty="0"/>
-              <a:t> </a:t>
-            </a:r>
-            <a:r>
-              <a:rPr lang="pl-PL" sz="2000" dirty="0" smtClean="0"/>
-              <a:t>and I </a:t>
-            </a:r>
+              <a:t>easily</a:t>
+            </a:r>
+            <a:endParaRPr lang="pl-PL" sz="2000" dirty="0" smtClean="0"/>
+          </a:p>
+          <a:p>
             <a:r>
               <a:rPr lang="pl-PL" sz="2000" dirty="0" err="1" smtClean="0"/>
-              <a:t>am</a:t>
+              <a:t>Every</a:t>
             </a:r>
             <a:r>
               <a:rPr lang="pl-PL" sz="2000" dirty="0" smtClean="0"/>
@@ -17610,14 +17815,15 @@
             </a:r>
             <a:r>
               <a:rPr lang="pl-PL" sz="2000" dirty="0" err="1" smtClean="0"/>
-              <a:t>lazy</a:t>
-            </a:r>
-            <a:endParaRPr lang="pl-PL" sz="2000" dirty="0" smtClean="0"/>
-          </a:p>
-          <a:p>
+              <a:t>time</a:t>
+            </a:r>
+            <a:r>
+              <a:rPr lang="pl-PL" sz="2000" dirty="0" smtClean="0"/>
+              <a:t> I want to </a:t>
+            </a:r>
             <a:r>
               <a:rPr lang="pl-PL" sz="2000" dirty="0" err="1" smtClean="0"/>
-              <a:t>Every</a:t>
+              <a:t>change</a:t>
             </a:r>
             <a:r>
               <a:rPr lang="pl-PL" sz="2000" dirty="0" smtClean="0"/>
@@ -17625,15 +17831,15 @@
             </a:r>
             <a:r>
               <a:rPr lang="pl-PL" sz="2000" dirty="0" err="1" smtClean="0"/>
-              <a:t>time</a:t>
+              <a:t>something</a:t>
             </a:r>
             <a:r>
               <a:rPr lang="pl-PL" sz="2000" dirty="0" smtClean="0"/>
-              <a:t> I want to </a:t>
+              <a:t> in grunt </a:t>
             </a:r>
             <a:r>
               <a:rPr lang="pl-PL" sz="2000" dirty="0" err="1" smtClean="0"/>
-              <a:t>change</a:t>
+              <a:t>it</a:t>
             </a:r>
             <a:r>
               <a:rPr lang="pl-PL" sz="2000" dirty="0" smtClean="0"/>
@@ -17641,15 +17847,7 @@
             </a:r>
             <a:r>
               <a:rPr lang="pl-PL" sz="2000" dirty="0" err="1" smtClean="0"/>
-              <a:t>something</a:t>
-            </a:r>
-            <a:r>
-              <a:rPr lang="pl-PL" sz="2000" dirty="0" smtClean="0"/>
-              <a:t> in grunt </a:t>
-            </a:r>
-            <a:r>
-              <a:rPr lang="pl-PL" sz="2000" dirty="0" err="1" smtClean="0"/>
-              <a:t>it</a:t>
+              <a:t>is</a:t>
             </a:r>
             <a:r>
               <a:rPr lang="pl-PL" sz="2000" dirty="0" smtClean="0"/>
@@ -17657,7 +17855,21 @@
             </a:r>
             <a:r>
               <a:rPr lang="pl-PL" sz="2000" dirty="0" err="1" smtClean="0"/>
-              <a:t>is</a:t>
+              <a:t>painfull</a:t>
+            </a:r>
+            <a:r>
+              <a:rPr lang="pl-PL" sz="2000" dirty="0" smtClean="0"/>
+              <a:t>. </a:t>
+            </a:r>
+          </a:p>
+          <a:p>
+            <a:r>
+              <a:rPr lang="pl-PL" sz="2000" dirty="0" smtClean="0"/>
+              <a:t>I </a:t>
+            </a:r>
+            <a:r>
+              <a:rPr lang="pl-PL" sz="2000" dirty="0" err="1" smtClean="0"/>
+              <a:t>started</a:t>
             </a:r>
             <a:r>
               <a:rPr lang="pl-PL" sz="2000" dirty="0" smtClean="0"/>
@@ -17665,17 +17877,7 @@
             </a:r>
             <a:r>
               <a:rPr lang="pl-PL" sz="2000" dirty="0" err="1" smtClean="0"/>
-              <a:t>painfull</a:t>
-            </a:r>
-            <a:r>
-              <a:rPr lang="pl-PL" sz="2000" dirty="0" smtClean="0"/>
-              <a:t>. </a:t>
-            </a:r>
-          </a:p>
-          <a:p>
-            <a:r>
-              <a:rPr lang="pl-PL" sz="2000" dirty="0" err="1" smtClean="0"/>
-              <a:t>That</a:t>
+              <a:t>looking</a:t>
             </a:r>
             <a:r>
               <a:rPr lang="pl-PL" sz="2000" dirty="0" smtClean="0"/>
@@ -17683,49 +17885,41 @@
             </a:r>
             <a:r>
               <a:rPr lang="pl-PL" sz="2000" dirty="0" err="1" smtClean="0"/>
-              <a:t>is</a:t>
+              <a:t>replacement</a:t>
+            </a:r>
+            <a:r>
+              <a:rPr lang="pl-PL" sz="2000" dirty="0" smtClean="0"/>
+              <a:t> for grunt</a:t>
+            </a:r>
+          </a:p>
+          <a:p>
+            <a:r>
+              <a:rPr lang="pl-PL" sz="2000" dirty="0" smtClean="0"/>
+              <a:t>I </a:t>
+            </a:r>
+            <a:r>
+              <a:rPr lang="pl-PL" sz="2000" dirty="0" err="1" smtClean="0"/>
+              <a:t>started</a:t>
             </a:r>
             <a:r>
               <a:rPr lang="pl-PL" sz="2000" dirty="0" smtClean="0"/>
               <a:t> </a:t>
             </a:r>
             <a:r>
+              <a:rPr lang="pl-PL" sz="2000" dirty="0" smtClean="0"/>
+              <a:t>my </a:t>
+            </a:r>
+            <a:r>
               <a:rPr lang="pl-PL" sz="2000" dirty="0" err="1" smtClean="0"/>
-              <a:t>why</a:t>
-            </a:r>
-            <a:r>
-              <a:rPr lang="pl-PL" sz="2000" dirty="0" smtClean="0"/>
-              <a:t> I start </a:t>
-            </a:r>
-            <a:r>
-              <a:rPr lang="pl-PL" sz="2000" dirty="0" err="1" smtClean="0"/>
-              <a:t>looking</a:t>
+              <a:t>journey</a:t>
             </a:r>
             <a:r>
               <a:rPr lang="pl-PL" sz="2000" dirty="0" smtClean="0"/>
               <a:t> </a:t>
             </a:r>
             <a:r>
-              <a:rPr lang="pl-PL" sz="2000" dirty="0" err="1" smtClean="0"/>
-              <a:t>replacement</a:t>
-            </a:r>
-            <a:r>
               <a:rPr lang="pl-PL" sz="2000" dirty="0" smtClean="0"/>
-              <a:t> for grunt</a:t>
-            </a:r>
-          </a:p>
-          <a:p>
-            <a:r>
-              <a:rPr lang="pl-PL" sz="2000" dirty="0" smtClean="0"/>
-              <a:t>I start my </a:t>
-            </a:r>
-            <a:r>
-              <a:rPr lang="pl-PL" sz="2000" dirty="0" err="1" smtClean="0"/>
-              <a:t>jurney</a:t>
-            </a:r>
-            <a:r>
-              <a:rPr lang="pl-PL" sz="2000" dirty="0" smtClean="0"/>
-              <a:t> with </a:t>
+              <a:t>with </a:t>
             </a:r>
             <a:r>
               <a:rPr lang="pl-PL" sz="2000" dirty="0" err="1" smtClean="0"/>
@@ -17801,7 +17995,7 @@
 </p:sld>
 </file>
 
-<file path=ppt/slides/slide6.xml><?xml version="1.0" encoding="utf-8"?>
+<file path=ppt/slides/slide7.xml><?xml version="1.0" encoding="utf-8"?>
 <p:sld xmlns:a="http://schemas.openxmlformats.org/drawingml/2006/main" xmlns:r="http://schemas.openxmlformats.org/officeDocument/2006/relationships" xmlns:p="http://schemas.openxmlformats.org/presentationml/2006/main">
   <p:cSld>
     <p:spTree>
@@ -18154,219 +18348,6 @@
     <p:extLst>
       <p:ext uri="{BB962C8B-B14F-4D97-AF65-F5344CB8AC3E}">
         <p14:creationId xmlns:p14="http://schemas.microsoft.com/office/powerpoint/2010/main" val="2194302111"/>
-      </p:ext>
-    </p:extLst>
-  </p:cSld>
-  <p:clrMapOvr>
-    <a:masterClrMapping/>
-  </p:clrMapOvr>
-  <p:timing>
-    <p:tnLst>
-      <p:par>
-        <p:cTn id="1" dur="indefinite" restart="never" nodeType="tmRoot"/>
-      </p:par>
-    </p:tnLst>
-  </p:timing>
-</p:sld>
-</file>
-
-<file path=ppt/slides/slide7.xml><?xml version="1.0" encoding="utf-8"?>
-<p:sld xmlns:a="http://schemas.openxmlformats.org/drawingml/2006/main" xmlns:r="http://schemas.openxmlformats.org/officeDocument/2006/relationships" xmlns:p="http://schemas.openxmlformats.org/presentationml/2006/main">
-  <p:cSld>
-    <p:spTree>
-      <p:nvGrpSpPr>
-        <p:cNvPr id="1" name=""/>
-        <p:cNvGrpSpPr/>
-        <p:nvPr/>
-      </p:nvGrpSpPr>
-      <p:grpSpPr>
-        <a:xfrm>
-          <a:off x="0" y="0"/>
-          <a:ext cx="0" cy="0"/>
-          <a:chOff x="0" y="0"/>
-          <a:chExt cx="0" cy="0"/>
-        </a:xfrm>
-      </p:grpSpPr>
-      <p:sp>
-        <p:nvSpPr>
-          <p:cNvPr id="2" name="Title 1"/>
-          <p:cNvSpPr>
-            <a:spLocks noGrp="1"/>
-          </p:cNvSpPr>
-          <p:nvPr>
-            <p:ph type="title"/>
-          </p:nvPr>
-        </p:nvSpPr>
-        <p:spPr/>
-        <p:txBody>
-          <a:bodyPr/>
-          <a:lstStyle/>
-          <a:p>
-            <a:r>
-              <a:rPr lang="pl-PL" dirty="0" err="1" smtClean="0"/>
-              <a:t>Why</a:t>
-            </a:r>
-            <a:r>
-              <a:rPr lang="pl-PL" dirty="0" smtClean="0"/>
-              <a:t> </a:t>
-            </a:r>
-            <a:r>
-              <a:rPr lang="pl-PL" dirty="0" err="1" smtClean="0"/>
-              <a:t>task</a:t>
-            </a:r>
-            <a:r>
-              <a:rPr lang="pl-PL" dirty="0" smtClean="0"/>
-              <a:t> </a:t>
-            </a:r>
-            <a:r>
-              <a:rPr lang="pl-PL" dirty="0" err="1" smtClean="0"/>
-              <a:t>runner</a:t>
-            </a:r>
-            <a:r>
-              <a:rPr lang="pl-PL" dirty="0" smtClean="0"/>
-              <a:t>?</a:t>
-            </a:r>
-            <a:endParaRPr lang="pl-PL" dirty="0"/>
-          </a:p>
-        </p:txBody>
-      </p:sp>
-      <p:sp>
-        <p:nvSpPr>
-          <p:cNvPr id="3" name="Content Placeholder 2"/>
-          <p:cNvSpPr>
-            <a:spLocks noGrp="1"/>
-          </p:cNvSpPr>
-          <p:nvPr>
-            <p:ph idx="1"/>
-          </p:nvPr>
-        </p:nvSpPr>
-        <p:spPr>
-          <a:xfrm>
-            <a:off x="1154954" y="2603500"/>
-            <a:ext cx="8761413" cy="4041140"/>
-          </a:xfrm>
-        </p:spPr>
-        <p:txBody>
-          <a:bodyPr>
-            <a:noAutofit/>
-          </a:bodyPr>
-          <a:lstStyle/>
-          <a:p>
-            <a:r>
-              <a:rPr lang="pl-PL" sz="2400" dirty="0" err="1" smtClean="0"/>
-              <a:t>Minify</a:t>
-            </a:r>
-            <a:endParaRPr lang="pl-PL" sz="2400" dirty="0" smtClean="0"/>
-          </a:p>
-          <a:p>
-            <a:r>
-              <a:rPr lang="pl-PL" sz="2400" dirty="0" err="1" smtClean="0"/>
-              <a:t>Concat</a:t>
-            </a:r>
-            <a:endParaRPr lang="pl-PL" sz="2400" dirty="0" smtClean="0"/>
-          </a:p>
-          <a:p>
-            <a:r>
-              <a:rPr lang="pl-PL" sz="2400" dirty="0" err="1" smtClean="0"/>
-              <a:t>Vendor</a:t>
-            </a:r>
-            <a:r>
-              <a:rPr lang="pl-PL" sz="2400" dirty="0" smtClean="0"/>
-              <a:t> </a:t>
-            </a:r>
-            <a:r>
-              <a:rPr lang="pl-PL" sz="2400" dirty="0" err="1" smtClean="0"/>
-              <a:t>prefixes</a:t>
-            </a:r>
-            <a:endParaRPr lang="pl-PL" sz="2400" dirty="0" smtClean="0"/>
-          </a:p>
-          <a:p>
-            <a:r>
-              <a:rPr lang="pl-PL" sz="2400" dirty="0" smtClean="0"/>
-              <a:t>Less to </a:t>
-            </a:r>
-            <a:r>
-              <a:rPr lang="pl-PL" sz="2400" dirty="0" err="1" smtClean="0"/>
-              <a:t>css</a:t>
-            </a:r>
-            <a:r>
-              <a:rPr lang="pl-PL" sz="2400" dirty="0" smtClean="0"/>
-              <a:t> </a:t>
-            </a:r>
-            <a:r>
-              <a:rPr lang="pl-PL" sz="2400" dirty="0" err="1" smtClean="0"/>
-              <a:t>compilation</a:t>
-            </a:r>
-            <a:endParaRPr lang="pl-PL" sz="2400" dirty="0" smtClean="0"/>
-          </a:p>
-          <a:p>
-            <a:r>
-              <a:rPr lang="pl-PL" sz="2400" dirty="0" err="1" smtClean="0"/>
-              <a:t>Injecting</a:t>
-            </a:r>
-            <a:r>
-              <a:rPr lang="pl-PL" sz="2400" dirty="0" smtClean="0"/>
-              <a:t> </a:t>
-            </a:r>
-            <a:r>
-              <a:rPr lang="pl-PL" sz="2400" dirty="0" err="1" smtClean="0"/>
-              <a:t>files</a:t>
-            </a:r>
-            <a:r>
-              <a:rPr lang="pl-PL" sz="2400" dirty="0" smtClean="0"/>
-              <a:t> </a:t>
-            </a:r>
-            <a:r>
-              <a:rPr lang="pl-PL" sz="2400" dirty="0" err="1" smtClean="0"/>
-              <a:t>into</a:t>
-            </a:r>
-            <a:r>
-              <a:rPr lang="pl-PL" sz="2400" dirty="0" smtClean="0"/>
-              <a:t> HTML</a:t>
-            </a:r>
-          </a:p>
-          <a:p>
-            <a:r>
-              <a:rPr lang="pl-PL" sz="2400" dirty="0" err="1" smtClean="0"/>
-              <a:t>Angular</a:t>
-            </a:r>
-            <a:r>
-              <a:rPr lang="pl-PL" sz="2400" dirty="0" smtClean="0"/>
-              <a:t> </a:t>
-            </a:r>
-            <a:r>
-              <a:rPr lang="pl-PL" sz="2400" dirty="0" err="1" smtClean="0"/>
-              <a:t>Template</a:t>
-            </a:r>
-            <a:r>
-              <a:rPr lang="pl-PL" sz="2400" dirty="0" smtClean="0"/>
-              <a:t> Cache</a:t>
-            </a:r>
-          </a:p>
-          <a:p>
-            <a:r>
-              <a:rPr lang="pl-PL" sz="2400" dirty="0" err="1" smtClean="0"/>
-              <a:t>Testing</a:t>
-            </a:r>
-            <a:endParaRPr lang="pl-PL" sz="2400" dirty="0" smtClean="0"/>
-          </a:p>
-          <a:p>
-            <a:r>
-              <a:rPr lang="pl-PL" sz="2400" dirty="0" err="1" smtClean="0"/>
-              <a:t>Code</a:t>
-            </a:r>
-            <a:r>
-              <a:rPr lang="pl-PL" sz="2400" dirty="0" smtClean="0"/>
-              <a:t> Analysis</a:t>
-            </a:r>
-            <a:endParaRPr lang="pl-PL" sz="2400" dirty="0"/>
-          </a:p>
-        </p:txBody>
-      </p:sp>
-    </p:spTree>
-    <p:extLst>
-      <p:ext uri="{BB962C8B-B14F-4D97-AF65-F5344CB8AC3E}">
-        <p14:creationId xmlns:p14="http://schemas.microsoft.com/office/powerpoint/2010/main" val="2062255515"/>
       </p:ext>
     </p:extLst>
   </p:cSld>
